--- a/ParkIt iOS.pptx
+++ b/ParkIt iOS.pptx
@@ -344,7 +344,7 @@
             <a:fld id="{5586B75A-687E-405C-8A0B-8D00578BA2C3}" type="datetimeFigureOut">
               <a:rPr lang="en-US" dirty="0"/>
               <a:pPr/>
-              <a:t>6/3/19</a:t>
+              <a:t>6/23/19</a:t>
             </a:fld>
             <a:endParaRPr lang="en-US" dirty="0"/>
           </a:p>
@@ -511,7 +511,7 @@
             <a:fld id="{5586B75A-687E-405C-8A0B-8D00578BA2C3}" type="datetimeFigureOut">
               <a:rPr lang="en-US" dirty="0"/>
               <a:pPr/>
-              <a:t>6/3/19</a:t>
+              <a:t>6/23/19</a:t>
             </a:fld>
             <a:endParaRPr lang="en-US" dirty="0"/>
           </a:p>
@@ -688,7 +688,7 @@
             <a:fld id="{5586B75A-687E-405C-8A0B-8D00578BA2C3}" type="datetimeFigureOut">
               <a:rPr lang="en-US" dirty="0"/>
               <a:pPr/>
-              <a:t>6/3/19</a:t>
+              <a:t>6/23/19</a:t>
             </a:fld>
             <a:endParaRPr lang="en-US" dirty="0"/>
           </a:p>
@@ -855,7 +855,7 @@
             <a:fld id="{5586B75A-687E-405C-8A0B-8D00578BA2C3}" type="datetimeFigureOut">
               <a:rPr lang="en-US" dirty="0"/>
               <a:pPr/>
-              <a:t>6/3/19</a:t>
+              <a:t>6/23/19</a:t>
             </a:fld>
             <a:endParaRPr lang="en-US" dirty="0"/>
           </a:p>
@@ -1110,7 +1110,7 @@
             <a:fld id="{5586B75A-687E-405C-8A0B-8D00578BA2C3}" type="datetimeFigureOut">
               <a:rPr lang="en-US" dirty="0"/>
               <a:pPr/>
-              <a:t>6/3/19</a:t>
+              <a:t>6/23/19</a:t>
             </a:fld>
             <a:endParaRPr lang="en-US" dirty="0"/>
           </a:p>
@@ -1395,7 +1395,7 @@
             <a:fld id="{5586B75A-687E-405C-8A0B-8D00578BA2C3}" type="datetimeFigureOut">
               <a:rPr lang="en-US" dirty="0"/>
               <a:pPr/>
-              <a:t>6/3/19</a:t>
+              <a:t>6/23/19</a:t>
             </a:fld>
             <a:endParaRPr lang="en-US" dirty="0"/>
           </a:p>
@@ -1834,7 +1834,7 @@
             <a:fld id="{5586B75A-687E-405C-8A0B-8D00578BA2C3}" type="datetimeFigureOut">
               <a:rPr lang="en-US" dirty="0"/>
               <a:pPr/>
-              <a:t>6/3/19</a:t>
+              <a:t>6/23/19</a:t>
             </a:fld>
             <a:endParaRPr lang="en-US" dirty="0"/>
           </a:p>
@@ -1949,7 +1949,7 @@
             <a:fld id="{5586B75A-687E-405C-8A0B-8D00578BA2C3}" type="datetimeFigureOut">
               <a:rPr lang="en-US" dirty="0"/>
               <a:pPr/>
-              <a:t>6/3/19</a:t>
+              <a:t>6/23/19</a:t>
             </a:fld>
             <a:endParaRPr lang="en-US" dirty="0"/>
           </a:p>
@@ -2041,7 +2041,7 @@
             <a:fld id="{5586B75A-687E-405C-8A0B-8D00578BA2C3}" type="datetimeFigureOut">
               <a:rPr lang="en-US" dirty="0"/>
               <a:pPr/>
-              <a:t>6/3/19</a:t>
+              <a:t>6/23/19</a:t>
             </a:fld>
             <a:endParaRPr lang="en-US" dirty="0"/>
           </a:p>
@@ -2326,7 +2326,7 @@
             <a:fld id="{5586B75A-687E-405C-8A0B-8D00578BA2C3}" type="datetimeFigureOut">
               <a:rPr lang="en-US" dirty="0"/>
               <a:pPr/>
-              <a:t>6/3/19</a:t>
+              <a:t>6/23/19</a:t>
             </a:fld>
             <a:endParaRPr lang="en-US" dirty="0"/>
           </a:p>
@@ -2596,7 +2596,7 @@
             <a:fld id="{5586B75A-687E-405C-8A0B-8D00578BA2C3}" type="datetimeFigureOut">
               <a:rPr lang="en-US" dirty="0"/>
               <a:pPr/>
-              <a:t>6/3/19</a:t>
+              <a:t>6/23/19</a:t>
             </a:fld>
             <a:endParaRPr lang="en-US" dirty="0"/>
           </a:p>
@@ -2890,7 +2890,7 @@
             <a:fld id="{5586B75A-687E-405C-8A0B-8D00578BA2C3}" type="datetimeFigureOut">
               <a:rPr lang="en-US" dirty="0"/>
               <a:pPr/>
-              <a:t>6/3/19</a:t>
+              <a:t>6/23/19</a:t>
             </a:fld>
             <a:endParaRPr lang="en-US" dirty="0"/>
           </a:p>
@@ -6545,10 +6545,10 @@
       </p:sp>
       <p:pic>
         <p:nvPicPr>
-          <p:cNvPr id="3" name="Picture 2" descr="https://documents.lucidchart.com/documents/07a102a3-6b5b-4ad9-85f2-14e20880d89f/pages/0_0?a=384&amp;x=747&amp;y=-20&amp;w=1068&amp;h=1315&amp;store=1&amp;accept=image%2F*&amp;auth=LCA%204268181efd9a2726c2ffbe031a01a4f69605f374-ts%3D1559571946">
+          <p:cNvPr id="1030" name="Picture 6" descr="https://documents.lucidchart.com/documents/07a102a3-6b5b-4ad9-85f2-14e20880d89f/pages/0_0?a=658&amp;x=669&amp;y=-20&amp;w=1560&amp;h=1309&amp;store=1&amp;accept=image%2F*&amp;auth=LCA%200941f47ca4e73e8214f46ae0abc7502a55c26a58-ts%3D1561279119">
             <a:extLst>
               <a:ext uri="{FF2B5EF4-FFF2-40B4-BE49-F238E27FC236}">
-                <a16:creationId xmlns:a16="http://schemas.microsoft.com/office/drawing/2014/main" id="{FE5614FC-9179-0943-88E0-E26513463111}"/>
+                <a16:creationId xmlns:a16="http://schemas.microsoft.com/office/drawing/2014/main" id="{1B13EFEB-EF05-554E-9B42-ED68EFF870B6}"/>
               </a:ext>
             </a:extLst>
           </p:cNvPr>
@@ -6572,8 +6572,8 @@
         </p:blipFill>
         <p:spPr bwMode="auto">
           <a:xfrm>
-            <a:off x="4544378" y="0"/>
-            <a:ext cx="5570537" cy="6858000"/>
+            <a:off x="3518535" y="0"/>
+            <a:ext cx="8170863" cy="6858000"/>
           </a:xfrm>
           <a:prstGeom prst="rect">
             <a:avLst/>

--- a/ParkIt iOS.pptx
+++ b/ParkIt iOS.pptx
@@ -344,7 +344,7 @@
             <a:fld id="{5586B75A-687E-405C-8A0B-8D00578BA2C3}" type="datetimeFigureOut">
               <a:rPr lang="en-US" dirty="0"/>
               <a:pPr/>
-              <a:t>6/23/19</a:t>
+              <a:t>8/2/19</a:t>
             </a:fld>
             <a:endParaRPr lang="en-US" dirty="0"/>
           </a:p>
@@ -511,7 +511,7 @@
             <a:fld id="{5586B75A-687E-405C-8A0B-8D00578BA2C3}" type="datetimeFigureOut">
               <a:rPr lang="en-US" dirty="0"/>
               <a:pPr/>
-              <a:t>6/23/19</a:t>
+              <a:t>8/2/19</a:t>
             </a:fld>
             <a:endParaRPr lang="en-US" dirty="0"/>
           </a:p>
@@ -688,7 +688,7 @@
             <a:fld id="{5586B75A-687E-405C-8A0B-8D00578BA2C3}" type="datetimeFigureOut">
               <a:rPr lang="en-US" dirty="0"/>
               <a:pPr/>
-              <a:t>6/23/19</a:t>
+              <a:t>8/2/19</a:t>
             </a:fld>
             <a:endParaRPr lang="en-US" dirty="0"/>
           </a:p>
@@ -855,7 +855,7 @@
             <a:fld id="{5586B75A-687E-405C-8A0B-8D00578BA2C3}" type="datetimeFigureOut">
               <a:rPr lang="en-US" dirty="0"/>
               <a:pPr/>
-              <a:t>6/23/19</a:t>
+              <a:t>8/2/19</a:t>
             </a:fld>
             <a:endParaRPr lang="en-US" dirty="0"/>
           </a:p>
@@ -1110,7 +1110,7 @@
             <a:fld id="{5586B75A-687E-405C-8A0B-8D00578BA2C3}" type="datetimeFigureOut">
               <a:rPr lang="en-US" dirty="0"/>
               <a:pPr/>
-              <a:t>6/23/19</a:t>
+              <a:t>8/2/19</a:t>
             </a:fld>
             <a:endParaRPr lang="en-US" dirty="0"/>
           </a:p>
@@ -1395,7 +1395,7 @@
             <a:fld id="{5586B75A-687E-405C-8A0B-8D00578BA2C3}" type="datetimeFigureOut">
               <a:rPr lang="en-US" dirty="0"/>
               <a:pPr/>
-              <a:t>6/23/19</a:t>
+              <a:t>8/2/19</a:t>
             </a:fld>
             <a:endParaRPr lang="en-US" dirty="0"/>
           </a:p>
@@ -1834,7 +1834,7 @@
             <a:fld id="{5586B75A-687E-405C-8A0B-8D00578BA2C3}" type="datetimeFigureOut">
               <a:rPr lang="en-US" dirty="0"/>
               <a:pPr/>
-              <a:t>6/23/19</a:t>
+              <a:t>8/2/19</a:t>
             </a:fld>
             <a:endParaRPr lang="en-US" dirty="0"/>
           </a:p>
@@ -1949,7 +1949,7 @@
             <a:fld id="{5586B75A-687E-405C-8A0B-8D00578BA2C3}" type="datetimeFigureOut">
               <a:rPr lang="en-US" dirty="0"/>
               <a:pPr/>
-              <a:t>6/23/19</a:t>
+              <a:t>8/2/19</a:t>
             </a:fld>
             <a:endParaRPr lang="en-US" dirty="0"/>
           </a:p>
@@ -2041,7 +2041,7 @@
             <a:fld id="{5586B75A-687E-405C-8A0B-8D00578BA2C3}" type="datetimeFigureOut">
               <a:rPr lang="en-US" dirty="0"/>
               <a:pPr/>
-              <a:t>6/23/19</a:t>
+              <a:t>8/2/19</a:t>
             </a:fld>
             <a:endParaRPr lang="en-US" dirty="0"/>
           </a:p>
@@ -2326,7 +2326,7 @@
             <a:fld id="{5586B75A-687E-405C-8A0B-8D00578BA2C3}" type="datetimeFigureOut">
               <a:rPr lang="en-US" dirty="0"/>
               <a:pPr/>
-              <a:t>6/23/19</a:t>
+              <a:t>8/2/19</a:t>
             </a:fld>
             <a:endParaRPr lang="en-US" dirty="0"/>
           </a:p>
@@ -2596,7 +2596,7 @@
             <a:fld id="{5586B75A-687E-405C-8A0B-8D00578BA2C3}" type="datetimeFigureOut">
               <a:rPr lang="en-US" dirty="0"/>
               <a:pPr/>
-              <a:t>6/23/19</a:t>
+              <a:t>8/2/19</a:t>
             </a:fld>
             <a:endParaRPr lang="en-US" dirty="0"/>
           </a:p>
@@ -2890,7 +2890,7 @@
             <a:fld id="{5586B75A-687E-405C-8A0B-8D00578BA2C3}" type="datetimeFigureOut">
               <a:rPr lang="en-US" dirty="0"/>
               <a:pPr/>
-              <a:t>6/23/19</a:t>
+              <a:t>8/2/19</a:t>
             </a:fld>
             <a:endParaRPr lang="en-US" dirty="0"/>
           </a:p>
@@ -3542,7 +3542,19 @@
               <a:rPr lang="he-IL" dirty="0">
                 <a:latin typeface="Gabriola" pitchFamily="82" charset="0"/>
               </a:rPr>
-              <a:t>מציאת מקום חנייה פנוי הפכה למשימה כמעת בלתי אפשרית הלוקחת זמן רב וצורכת דלק רב.</a:t>
+              <a:t>מציאת מקום חנייה פנוי הפכה </a:t>
+            </a:r>
+            <a:r>
+              <a:rPr lang="he-IL">
+                <a:latin typeface="Gabriola" pitchFamily="82" charset="0"/>
+              </a:rPr>
+              <a:t>למשימה כמעט </a:t>
+            </a:r>
+            <a:r>
+              <a:rPr lang="he-IL" dirty="0">
+                <a:latin typeface="Gabriola" pitchFamily="82" charset="0"/>
+              </a:rPr>
+              <a:t>בלתי אפשרית הלוקחת זמן רב וצורכת דלק רב.</a:t>
             </a:r>
           </a:p>
           <a:p>
